--- a/Week3/690 arc slide.pptx
+++ b/Week3/690 arc slide.pptx
@@ -5,12 +5,13 @@
     <p:sldMasterId id="2147483648" r:id="rId1"/>
   </p:sldMasterIdLst>
   <p:notesMasterIdLst>
-    <p:notesMasterId r:id="rId5"/>
+    <p:notesMasterId r:id="rId6"/>
   </p:notesMasterIdLst>
   <p:sldIdLst>
     <p:sldId id="259" r:id="rId2"/>
-    <p:sldId id="260" r:id="rId3"/>
-    <p:sldId id="261" r:id="rId4"/>
+    <p:sldId id="262" r:id="rId3"/>
+    <p:sldId id="260" r:id="rId4"/>
+    <p:sldId id="261" r:id="rId5"/>
   </p:sldIdLst>
   <p:sldSz cx="12192000" cy="6858000"/>
   <p:notesSz cx="6858000" cy="9144000"/>
@@ -109,6 +110,11 @@
       </a:defRPr>
     </a:lvl9pPr>
   </p:defaultTextStyle>
+  <p:extLst>
+    <p:ext uri="{EFAFB233-063F-42B5-8137-9DF3F51BA10A}">
+      <p15:sldGuideLst xmlns:p15="http://schemas.microsoft.com/office/powerpoint/2012/main"/>
+    </p:ext>
+  </p:extLst>
 </p:presentation>
 </file>
 
@@ -194,7 +200,7 @@
           <a:p>
             <a:fld id="{04A22F0F-3346-4DD9-865C-37B58B3060BE}" type="datetimeFigureOut">
               <a:rPr lang="zh-CN" altLang="en-US" smtClean="0"/>
-              <a:t>2019/2/11</a:t>
+              <a:t>2019/2/12</a:t>
             </a:fld>
             <a:endParaRPr lang="zh-CN" altLang="en-US"/>
           </a:p>
@@ -565,6 +571,115 @@
 </p:notes>
 </file>
 
+<file path=ppt/notesSlides/notesSlide2.xml><?xml version="1.0" encoding="utf-8"?>
+<p:notes xmlns:a="http://schemas.openxmlformats.org/drawingml/2006/main" xmlns:r="http://schemas.openxmlformats.org/officeDocument/2006/relationships" xmlns:p="http://schemas.openxmlformats.org/presentationml/2006/main" showMasterSp="0" showMasterPhAnim="0">
+  <p:cSld>
+    <p:spTree>
+      <p:nvGrpSpPr>
+        <p:cNvPr id="1" name="Shape 322"/>
+        <p:cNvGrpSpPr/>
+        <p:nvPr/>
+      </p:nvGrpSpPr>
+      <p:grpSpPr>
+        <a:xfrm>
+          <a:off x="0" y="0"/>
+          <a:ext cx="0" cy="0"/>
+          <a:chOff x="0" y="0"/>
+          <a:chExt cx="0" cy="0"/>
+        </a:xfrm>
+      </p:grpSpPr>
+      <p:sp>
+        <p:nvSpPr>
+          <p:cNvPr id="323" name="Google Shape;323;p4:notes"/>
+          <p:cNvSpPr txBox="1">
+            <a:spLocks noGrp="1"/>
+          </p:cNvSpPr>
+          <p:nvPr>
+            <p:ph type="body" idx="1"/>
+          </p:nvPr>
+        </p:nvSpPr>
+        <p:spPr>
+          <a:xfrm>
+            <a:off x="685800" y="4343400"/>
+            <a:ext cx="5486400" cy="4114800"/>
+          </a:xfrm>
+          <a:prstGeom prst="rect">
+            <a:avLst/>
+          </a:prstGeom>
+        </p:spPr>
+        <p:txBody>
+          <a:bodyPr spcFirstLastPara="1" wrap="square" lIns="91425" tIns="91425" rIns="91425" bIns="91425" anchor="t" anchorCtr="0">
+            <a:noAutofit/>
+          </a:bodyPr>
+          <a:lstStyle/>
+          <a:p>
+            <a:pPr marL="0" lvl="0" indent="0" algn="l" rtl="0">
+              <a:spcBef>
+                <a:spcPts val="0"/>
+              </a:spcBef>
+              <a:spcAft>
+                <a:spcPts val="0"/>
+              </a:spcAft>
+              <a:buNone/>
+            </a:pPr>
+            <a:endParaRPr/>
+          </a:p>
+        </p:txBody>
+      </p:sp>
+      <p:sp>
+        <p:nvSpPr>
+          <p:cNvPr id="324" name="Google Shape;324;p4:notes"/>
+          <p:cNvSpPr>
+            <a:spLocks noGrp="1" noRot="1" noChangeAspect="1"/>
+          </p:cNvSpPr>
+          <p:nvPr>
+            <p:ph type="sldImg" idx="2"/>
+          </p:nvPr>
+        </p:nvSpPr>
+        <p:spPr>
+          <a:xfrm>
+            <a:off x="381000" y="685800"/>
+            <a:ext cx="6096000" cy="3429000"/>
+          </a:xfrm>
+          <a:custGeom>
+            <a:avLst/>
+            <a:gdLst/>
+            <a:ahLst/>
+            <a:cxnLst/>
+            <a:rect l="l" t="t" r="r" b="b"/>
+            <a:pathLst>
+              <a:path w="120000" h="120000" extrusionOk="0">
+                <a:moveTo>
+                  <a:pt x="0" y="0"/>
+                </a:moveTo>
+                <a:lnTo>
+                  <a:pt x="120000" y="0"/>
+                </a:lnTo>
+                <a:lnTo>
+                  <a:pt x="120000" y="120000"/>
+                </a:lnTo>
+                <a:lnTo>
+                  <a:pt x="0" y="120000"/>
+                </a:lnTo>
+                <a:close/>
+              </a:path>
+            </a:pathLst>
+          </a:custGeom>
+        </p:spPr>
+      </p:sp>
+    </p:spTree>
+    <p:extLst>
+      <p:ext uri="{BB962C8B-B14F-4D97-AF65-F5344CB8AC3E}">
+        <p14:creationId xmlns:p14="http://schemas.microsoft.com/office/powerpoint/2010/main" val="716787492"/>
+      </p:ext>
+    </p:extLst>
+  </p:cSld>
+  <p:clrMapOvr>
+    <a:masterClrMapping/>
+  </p:clrMapOvr>
+</p:notes>
+</file>
+
 <file path=ppt/slideLayouts/slideLayout1.xml><?xml version="1.0" encoding="utf-8"?>
 <p:sldLayout xmlns:a="http://schemas.openxmlformats.org/drawingml/2006/main" xmlns:r="http://schemas.openxmlformats.org/officeDocument/2006/relationships" xmlns:p="http://schemas.openxmlformats.org/presentationml/2006/main" type="title" preserve="1">
   <p:cSld name="标题幻灯片">
@@ -712,7 +827,7 @@
           <a:p>
             <a:fld id="{7410D717-FB18-4636-BA19-E836968467B5}" type="datetimeFigureOut">
               <a:rPr lang="zh-CN" altLang="en-US" smtClean="0"/>
-              <a:t>2019/2/11</a:t>
+              <a:t>2019/2/12</a:t>
             </a:fld>
             <a:endParaRPr lang="zh-CN" altLang="en-US"/>
           </a:p>
@@ -910,7 +1025,7 @@
           <a:p>
             <a:fld id="{7410D717-FB18-4636-BA19-E836968467B5}" type="datetimeFigureOut">
               <a:rPr lang="zh-CN" altLang="en-US" smtClean="0"/>
-              <a:t>2019/2/11</a:t>
+              <a:t>2019/2/12</a:t>
             </a:fld>
             <a:endParaRPr lang="zh-CN" altLang="en-US"/>
           </a:p>
@@ -1118,7 +1233,7 @@
           <a:p>
             <a:fld id="{7410D717-FB18-4636-BA19-E836968467B5}" type="datetimeFigureOut">
               <a:rPr lang="zh-CN" altLang="en-US" smtClean="0"/>
-              <a:t>2019/2/11</a:t>
+              <a:t>2019/2/12</a:t>
             </a:fld>
             <a:endParaRPr lang="zh-CN" altLang="en-US"/>
           </a:p>
@@ -2308,7 +2423,7 @@
           <a:p>
             <a:fld id="{7410D717-FB18-4636-BA19-E836968467B5}" type="datetimeFigureOut">
               <a:rPr lang="zh-CN" altLang="en-US" smtClean="0"/>
-              <a:t>2019/2/11</a:t>
+              <a:t>2019/2/12</a:t>
             </a:fld>
             <a:endParaRPr lang="zh-CN" altLang="en-US"/>
           </a:p>
@@ -2583,7 +2698,7 @@
           <a:p>
             <a:fld id="{7410D717-FB18-4636-BA19-E836968467B5}" type="datetimeFigureOut">
               <a:rPr lang="zh-CN" altLang="en-US" smtClean="0"/>
-              <a:t>2019/2/11</a:t>
+              <a:t>2019/2/12</a:t>
             </a:fld>
             <a:endParaRPr lang="zh-CN" altLang="en-US"/>
           </a:p>
@@ -2848,7 +2963,7 @@
           <a:p>
             <a:fld id="{7410D717-FB18-4636-BA19-E836968467B5}" type="datetimeFigureOut">
               <a:rPr lang="zh-CN" altLang="en-US" smtClean="0"/>
-              <a:t>2019/2/11</a:t>
+              <a:t>2019/2/12</a:t>
             </a:fld>
             <a:endParaRPr lang="zh-CN" altLang="en-US"/>
           </a:p>
@@ -3260,7 +3375,7 @@
           <a:p>
             <a:fld id="{7410D717-FB18-4636-BA19-E836968467B5}" type="datetimeFigureOut">
               <a:rPr lang="zh-CN" altLang="en-US" smtClean="0"/>
-              <a:t>2019/2/11</a:t>
+              <a:t>2019/2/12</a:t>
             </a:fld>
             <a:endParaRPr lang="zh-CN" altLang="en-US"/>
           </a:p>
@@ -3401,7 +3516,7 @@
           <a:p>
             <a:fld id="{7410D717-FB18-4636-BA19-E836968467B5}" type="datetimeFigureOut">
               <a:rPr lang="zh-CN" altLang="en-US" smtClean="0"/>
-              <a:t>2019/2/11</a:t>
+              <a:t>2019/2/12</a:t>
             </a:fld>
             <a:endParaRPr lang="zh-CN" altLang="en-US"/>
           </a:p>
@@ -3514,7 +3629,7 @@
           <a:p>
             <a:fld id="{7410D717-FB18-4636-BA19-E836968467B5}" type="datetimeFigureOut">
               <a:rPr lang="zh-CN" altLang="en-US" smtClean="0"/>
-              <a:t>2019/2/11</a:t>
+              <a:t>2019/2/12</a:t>
             </a:fld>
             <a:endParaRPr lang="zh-CN" altLang="en-US"/>
           </a:p>
@@ -3825,7 +3940,7 @@
           <a:p>
             <a:fld id="{7410D717-FB18-4636-BA19-E836968467B5}" type="datetimeFigureOut">
               <a:rPr lang="zh-CN" altLang="en-US" smtClean="0"/>
-              <a:t>2019/2/11</a:t>
+              <a:t>2019/2/12</a:t>
             </a:fld>
             <a:endParaRPr lang="zh-CN" altLang="en-US"/>
           </a:p>
@@ -4113,7 +4228,7 @@
           <a:p>
             <a:fld id="{7410D717-FB18-4636-BA19-E836968467B5}" type="datetimeFigureOut">
               <a:rPr lang="zh-CN" altLang="en-US" smtClean="0"/>
-              <a:t>2019/2/11</a:t>
+              <a:t>2019/2/12</a:t>
             </a:fld>
             <a:endParaRPr lang="zh-CN" altLang="en-US"/>
           </a:p>
@@ -4354,7 +4469,7 @@
           <a:p>
             <a:fld id="{7410D717-FB18-4636-BA19-E836968467B5}" type="datetimeFigureOut">
               <a:rPr lang="zh-CN" altLang="en-US" smtClean="0"/>
-              <a:t>2019/2/11</a:t>
+              <a:t>2019/2/12</a:t>
             </a:fld>
             <a:endParaRPr lang="zh-CN" altLang="en-US"/>
           </a:p>
@@ -4923,6 +5038,175 @@
   <p:cSld>
     <p:spTree>
       <p:nvGrpSpPr>
+        <p:cNvPr id="1" name="Shape 325"/>
+        <p:cNvGrpSpPr/>
+        <p:nvPr/>
+      </p:nvGrpSpPr>
+      <p:grpSpPr>
+        <a:xfrm>
+          <a:off x="0" y="0"/>
+          <a:ext cx="0" cy="0"/>
+          <a:chOff x="0" y="0"/>
+          <a:chExt cx="0" cy="0"/>
+        </a:xfrm>
+      </p:grpSpPr>
+      <p:sp>
+        <p:nvSpPr>
+          <p:cNvPr id="327" name="Google Shape;327;p39"/>
+          <p:cNvSpPr txBox="1">
+            <a:spLocks noGrp="1"/>
+          </p:cNvSpPr>
+          <p:nvPr>
+            <p:ph type="body" idx="2"/>
+          </p:nvPr>
+        </p:nvSpPr>
+        <p:spPr>
+          <a:xfrm>
+            <a:off x="137758" y="2458061"/>
+            <a:ext cx="10234406" cy="2946711"/>
+          </a:xfrm>
+          <a:prstGeom prst="rect">
+            <a:avLst/>
+          </a:prstGeom>
+          <a:noFill/>
+          <a:ln>
+            <a:noFill/>
+          </a:ln>
+        </p:spPr>
+        <p:txBody>
+          <a:bodyPr spcFirstLastPara="1" vert="horz" wrap="square" lIns="91425" tIns="45700" rIns="91425" bIns="45700" rtlCol="0" anchor="t" anchorCtr="0">
+            <a:noAutofit/>
+          </a:bodyPr>
+          <a:lstStyle/>
+          <a:p>
+            <a:pPr marL="342900" indent="-342900">
+              <a:buFont typeface="Arial" panose="020B0604020202020204" pitchFamily="34" charset="0"/>
+              <a:buChar char="•"/>
+            </a:pPr>
+            <a:r>
+              <a:rPr lang="en-US" b="1" i="0" dirty="0"/>
+              <a:t>Uniform Interface</a:t>
+            </a:r>
+            <a:r>
+              <a:rPr lang="en-US" i="0" dirty="0"/>
+              <a:t> – Client / Server approach allows us to follow a uniform API for both a the web and mobile app</a:t>
+            </a:r>
+          </a:p>
+          <a:p>
+            <a:pPr marL="342900" indent="-342900">
+              <a:buFont typeface="Arial" panose="020B0604020202020204" pitchFamily="34" charset="0"/>
+              <a:buChar char="•"/>
+            </a:pPr>
+            <a:r>
+              <a:rPr lang="en-US" b="1" i="0" dirty="0"/>
+              <a:t>Reliability</a:t>
+            </a:r>
+            <a:r>
+              <a:rPr lang="en-US" i="0" dirty="0"/>
+              <a:t> – The backend server can ben </a:t>
+            </a:r>
+            <a:r>
+              <a:rPr lang="en-US" i="0" dirty="0" err="1"/>
+              <a:t>cachable</a:t>
+            </a:r>
+            <a:r>
+              <a:rPr lang="en-US" i="0" dirty="0"/>
+              <a:t> and the system can be layered to remove the separation of concerns </a:t>
+            </a:r>
+          </a:p>
+          <a:p>
+            <a:pPr marL="342900" indent="-342900">
+              <a:buFont typeface="Arial" panose="020B0604020202020204" pitchFamily="34" charset="0"/>
+              <a:buChar char="•"/>
+            </a:pPr>
+            <a:r>
+              <a:rPr lang="en-US" b="1" i="0" dirty="0"/>
+              <a:t>Performance</a:t>
+            </a:r>
+            <a:r>
+              <a:rPr lang="en-US" i="0" dirty="0"/>
+              <a:t> – Allow the application to be used by many users in many different locations</a:t>
+            </a:r>
+          </a:p>
+          <a:p>
+            <a:pPr marL="342900" indent="-342900">
+              <a:buFont typeface="Arial" panose="020B0604020202020204" pitchFamily="34" charset="0"/>
+              <a:buChar char="•"/>
+            </a:pPr>
+            <a:r>
+              <a:rPr lang="en-US" b="1" i="0" dirty="0"/>
+              <a:t>Simplicity</a:t>
+            </a:r>
+            <a:r>
+              <a:rPr lang="en-US" i="0" dirty="0"/>
+              <a:t> – The front end can handle the view layer while the backend will be focused on object creation, read, update, and deletion.</a:t>
+            </a:r>
+          </a:p>
+          <a:p>
+            <a:pPr marL="342900" indent="-342900">
+              <a:buFont typeface="Arial" panose="020B0604020202020204" pitchFamily="34" charset="0"/>
+              <a:buChar char="•"/>
+            </a:pPr>
+            <a:endParaRPr i="0" dirty="0"/>
+          </a:p>
+        </p:txBody>
+      </p:sp>
+      <p:sp>
+        <p:nvSpPr>
+          <p:cNvPr id="328" name="Google Shape;328;p39"/>
+          <p:cNvSpPr txBox="1">
+            <a:spLocks noGrp="1"/>
+          </p:cNvSpPr>
+          <p:nvPr>
+            <p:ph type="body" idx="3"/>
+          </p:nvPr>
+        </p:nvSpPr>
+        <p:spPr>
+          <a:xfrm>
+            <a:off x="217642" y="1473835"/>
+            <a:ext cx="10665511" cy="707266"/>
+          </a:xfrm>
+          <a:prstGeom prst="rect">
+            <a:avLst/>
+          </a:prstGeom>
+          <a:noFill/>
+          <a:ln>
+            <a:noFill/>
+          </a:ln>
+        </p:spPr>
+        <p:txBody>
+          <a:bodyPr spcFirstLastPara="1" vert="horz" wrap="square" lIns="91425" tIns="45700" rIns="91425" bIns="45700" rtlCol="0" anchor="t" anchorCtr="0">
+            <a:noAutofit/>
+          </a:bodyPr>
+          <a:lstStyle/>
+          <a:p>
+            <a:pPr marL="0" indent="0"/>
+            <a:r>
+              <a:rPr lang="en-US" dirty="0"/>
+              <a:t>The Hobby App REST API Architecture Objectives</a:t>
+            </a:r>
+            <a:endParaRPr dirty="0"/>
+          </a:p>
+        </p:txBody>
+      </p:sp>
+    </p:spTree>
+    <p:extLst>
+      <p:ext uri="{BB962C8B-B14F-4D97-AF65-F5344CB8AC3E}">
+        <p14:creationId xmlns:p14="http://schemas.microsoft.com/office/powerpoint/2010/main" val="3579605608"/>
+      </p:ext>
+    </p:extLst>
+  </p:cSld>
+  <p:clrMapOvr>
+    <a:masterClrMapping/>
+  </p:clrMapOvr>
+</p:sld>
+</file>
+
+<file path=ppt/slides/slide3.xml><?xml version="1.0" encoding="utf-8"?>
+<p:sld xmlns:a="http://schemas.openxmlformats.org/drawingml/2006/main" xmlns:r="http://schemas.openxmlformats.org/officeDocument/2006/relationships" xmlns:p="http://schemas.openxmlformats.org/presentationml/2006/main">
+  <p:cSld>
+    <p:spTree>
+      <p:nvGrpSpPr>
         <p:cNvPr id="1" name=""/>
         <p:cNvGrpSpPr/>
         <p:nvPr/>
@@ -4983,7 +5267,7 @@
 </p:sld>
 </file>
 
-<file path=ppt/slides/slide3.xml><?xml version="1.0" encoding="utf-8"?>
+<file path=ppt/slides/slide4.xml><?xml version="1.0" encoding="utf-8"?>
 <p:sld xmlns:a="http://schemas.openxmlformats.org/drawingml/2006/main" xmlns:r="http://schemas.openxmlformats.org/officeDocument/2006/relationships" xmlns:p="http://schemas.openxmlformats.org/presentationml/2006/main">
   <p:cSld>
     <p:spTree>

--- a/Week3/690 arc slide.pptx
+++ b/Week3/690 arc slide.pptx
@@ -5,13 +5,14 @@
     <p:sldMasterId id="2147483648" r:id="rId1"/>
   </p:sldMasterIdLst>
   <p:notesMasterIdLst>
-    <p:notesMasterId r:id="rId6"/>
+    <p:notesMasterId r:id="rId7"/>
   </p:notesMasterIdLst>
   <p:sldIdLst>
     <p:sldId id="259" r:id="rId2"/>
-    <p:sldId id="262" r:id="rId3"/>
-    <p:sldId id="260" r:id="rId4"/>
-    <p:sldId id="261" r:id="rId5"/>
+    <p:sldId id="263" r:id="rId3"/>
+    <p:sldId id="262" r:id="rId4"/>
+    <p:sldId id="260" r:id="rId5"/>
+    <p:sldId id="261" r:id="rId6"/>
   </p:sldIdLst>
   <p:sldSz cx="12192000" cy="6858000"/>
   <p:notesSz cx="6858000" cy="9144000"/>
@@ -572,6 +573,115 @@
 </file>
 
 <file path=ppt/notesSlides/notesSlide2.xml><?xml version="1.0" encoding="utf-8"?>
+<p:notes xmlns:a="http://schemas.openxmlformats.org/drawingml/2006/main" xmlns:r="http://schemas.openxmlformats.org/officeDocument/2006/relationships" xmlns:p="http://schemas.openxmlformats.org/presentationml/2006/main" showMasterSp="0" showMasterPhAnim="0">
+  <p:cSld>
+    <p:spTree>
+      <p:nvGrpSpPr>
+        <p:cNvPr id="1" name="Shape 322"/>
+        <p:cNvGrpSpPr/>
+        <p:nvPr/>
+      </p:nvGrpSpPr>
+      <p:grpSpPr>
+        <a:xfrm>
+          <a:off x="0" y="0"/>
+          <a:ext cx="0" cy="0"/>
+          <a:chOff x="0" y="0"/>
+          <a:chExt cx="0" cy="0"/>
+        </a:xfrm>
+      </p:grpSpPr>
+      <p:sp>
+        <p:nvSpPr>
+          <p:cNvPr id="323" name="Google Shape;323;p4:notes"/>
+          <p:cNvSpPr txBox="1">
+            <a:spLocks noGrp="1"/>
+          </p:cNvSpPr>
+          <p:nvPr>
+            <p:ph type="body" idx="1"/>
+          </p:nvPr>
+        </p:nvSpPr>
+        <p:spPr>
+          <a:xfrm>
+            <a:off x="685800" y="4343400"/>
+            <a:ext cx="5486400" cy="4114800"/>
+          </a:xfrm>
+          <a:prstGeom prst="rect">
+            <a:avLst/>
+          </a:prstGeom>
+        </p:spPr>
+        <p:txBody>
+          <a:bodyPr spcFirstLastPara="1" wrap="square" lIns="91425" tIns="91425" rIns="91425" bIns="91425" anchor="t" anchorCtr="0">
+            <a:noAutofit/>
+          </a:bodyPr>
+          <a:lstStyle/>
+          <a:p>
+            <a:pPr marL="0" lvl="0" indent="0" algn="l" rtl="0">
+              <a:spcBef>
+                <a:spcPts val="0"/>
+              </a:spcBef>
+              <a:spcAft>
+                <a:spcPts val="0"/>
+              </a:spcAft>
+              <a:buNone/>
+            </a:pPr>
+            <a:endParaRPr/>
+          </a:p>
+        </p:txBody>
+      </p:sp>
+      <p:sp>
+        <p:nvSpPr>
+          <p:cNvPr id="324" name="Google Shape;324;p4:notes"/>
+          <p:cNvSpPr>
+            <a:spLocks noGrp="1" noRot="1" noChangeAspect="1"/>
+          </p:cNvSpPr>
+          <p:nvPr>
+            <p:ph type="sldImg" idx="2"/>
+          </p:nvPr>
+        </p:nvSpPr>
+        <p:spPr>
+          <a:xfrm>
+            <a:off x="381000" y="685800"/>
+            <a:ext cx="6096000" cy="3429000"/>
+          </a:xfrm>
+          <a:custGeom>
+            <a:avLst/>
+            <a:gdLst/>
+            <a:ahLst/>
+            <a:cxnLst/>
+            <a:rect l="l" t="t" r="r" b="b"/>
+            <a:pathLst>
+              <a:path w="120000" h="120000" extrusionOk="0">
+                <a:moveTo>
+                  <a:pt x="0" y="0"/>
+                </a:moveTo>
+                <a:lnTo>
+                  <a:pt x="120000" y="0"/>
+                </a:lnTo>
+                <a:lnTo>
+                  <a:pt x="120000" y="120000"/>
+                </a:lnTo>
+                <a:lnTo>
+                  <a:pt x="0" y="120000"/>
+                </a:lnTo>
+                <a:close/>
+              </a:path>
+            </a:pathLst>
+          </a:custGeom>
+        </p:spPr>
+      </p:sp>
+    </p:spTree>
+    <p:extLst>
+      <p:ext uri="{BB962C8B-B14F-4D97-AF65-F5344CB8AC3E}">
+        <p14:creationId xmlns:p14="http://schemas.microsoft.com/office/powerpoint/2010/main" val="2028318335"/>
+      </p:ext>
+    </p:extLst>
+  </p:cSld>
+  <p:clrMapOvr>
+    <a:masterClrMapping/>
+  </p:clrMapOvr>
+</p:notes>
+</file>
+
+<file path=ppt/notesSlides/notesSlide3.xml><?xml version="1.0" encoding="utf-8"?>
 <p:notes xmlns:a="http://schemas.openxmlformats.org/drawingml/2006/main" xmlns:r="http://schemas.openxmlformats.org/officeDocument/2006/relationships" xmlns:p="http://schemas.openxmlformats.org/presentationml/2006/main" showMasterSp="0" showMasterPhAnim="0">
   <p:cSld>
     <p:spTree>
@@ -5062,7 +5172,113 @@
         </p:nvSpPr>
         <p:spPr>
           <a:xfrm>
-            <a:off x="137758" y="2458061"/>
+            <a:off x="228221" y="2543884"/>
+            <a:ext cx="7500204" cy="1328868"/>
+          </a:xfrm>
+          <a:prstGeom prst="rect">
+            <a:avLst/>
+          </a:prstGeom>
+          <a:noFill/>
+          <a:ln>
+            <a:noFill/>
+          </a:ln>
+        </p:spPr>
+        <p:txBody>
+          <a:bodyPr spcFirstLastPara="1" vert="horz" wrap="square" lIns="91425" tIns="45700" rIns="91425" bIns="45700" rtlCol="0" anchor="t" anchorCtr="0">
+            <a:noAutofit/>
+          </a:bodyPr>
+          <a:lstStyle/>
+          <a:p>
+            <a:pPr marL="0" indent="0"/>
+            <a:r>
+              <a:rPr lang="en-US" dirty="0"/>
+              <a:t>This project will help the user to find a partner who has the same hobbies as them, offering them a chance to meet together and hold activities, and share their experiences and stories with other users.</a:t>
+            </a:r>
+            <a:endParaRPr i="0" dirty="0"/>
+          </a:p>
+        </p:txBody>
+      </p:sp>
+      <p:sp>
+        <p:nvSpPr>
+          <p:cNvPr id="328" name="Google Shape;328;p39"/>
+          <p:cNvSpPr txBox="1">
+            <a:spLocks noGrp="1"/>
+          </p:cNvSpPr>
+          <p:nvPr>
+            <p:ph type="body" idx="3"/>
+          </p:nvPr>
+        </p:nvSpPr>
+        <p:spPr>
+          <a:xfrm>
+            <a:off x="228221" y="1626234"/>
+            <a:ext cx="8529783" cy="1219419"/>
+          </a:xfrm>
+          <a:prstGeom prst="rect">
+            <a:avLst/>
+          </a:prstGeom>
+          <a:noFill/>
+          <a:ln>
+            <a:noFill/>
+          </a:ln>
+        </p:spPr>
+        <p:txBody>
+          <a:bodyPr spcFirstLastPara="1" vert="horz" wrap="square" lIns="91425" tIns="45700" rIns="91425" bIns="45700" rtlCol="0" anchor="t" anchorCtr="0">
+            <a:noAutofit/>
+          </a:bodyPr>
+          <a:lstStyle/>
+          <a:p>
+            <a:pPr marL="0" indent="0"/>
+            <a:r>
+              <a:rPr lang="en-US" dirty="0"/>
+              <a:t>Objective</a:t>
+            </a:r>
+            <a:endParaRPr dirty="0"/>
+          </a:p>
+        </p:txBody>
+      </p:sp>
+    </p:spTree>
+    <p:extLst>
+      <p:ext uri="{BB962C8B-B14F-4D97-AF65-F5344CB8AC3E}">
+        <p14:creationId xmlns:p14="http://schemas.microsoft.com/office/powerpoint/2010/main" val="2090818057"/>
+      </p:ext>
+    </p:extLst>
+  </p:cSld>
+  <p:clrMapOvr>
+    <a:masterClrMapping/>
+  </p:clrMapOvr>
+</p:sld>
+</file>
+
+<file path=ppt/slides/slide3.xml><?xml version="1.0" encoding="utf-8"?>
+<p:sld xmlns:a="http://schemas.openxmlformats.org/drawingml/2006/main" xmlns:r="http://schemas.openxmlformats.org/officeDocument/2006/relationships" xmlns:p="http://schemas.openxmlformats.org/presentationml/2006/main">
+  <p:cSld>
+    <p:spTree>
+      <p:nvGrpSpPr>
+        <p:cNvPr id="1" name="Shape 325"/>
+        <p:cNvGrpSpPr/>
+        <p:nvPr/>
+      </p:nvGrpSpPr>
+      <p:grpSpPr>
+        <a:xfrm>
+          <a:off x="0" y="0"/>
+          <a:ext cx="0" cy="0"/>
+          <a:chOff x="0" y="0"/>
+          <a:chExt cx="0" cy="0"/>
+        </a:xfrm>
+      </p:grpSpPr>
+      <p:sp>
+        <p:nvSpPr>
+          <p:cNvPr id="327" name="Google Shape;327;p39"/>
+          <p:cNvSpPr txBox="1">
+            <a:spLocks noGrp="1"/>
+          </p:cNvSpPr>
+          <p:nvPr>
+            <p:ph type="body" idx="2"/>
+          </p:nvPr>
+        </p:nvSpPr>
+        <p:spPr>
+          <a:xfrm>
+            <a:off x="137758" y="2655285"/>
             <a:ext cx="10234406" cy="2946711"/>
           </a:xfrm>
           <a:prstGeom prst="rect">
@@ -5163,7 +5379,7 @@
         </p:nvSpPr>
         <p:spPr>
           <a:xfrm>
-            <a:off x="217642" y="1473835"/>
+            <a:off x="217642" y="1617270"/>
             <a:ext cx="10665511" cy="707266"/>
           </a:xfrm>
           <a:prstGeom prst="rect">
@@ -5202,7 +5418,7 @@
 </p:sld>
 </file>
 
-<file path=ppt/slides/slide3.xml><?xml version="1.0" encoding="utf-8"?>
+<file path=ppt/slides/slide4.xml><?xml version="1.0" encoding="utf-8"?>
 <p:sld xmlns:a="http://schemas.openxmlformats.org/drawingml/2006/main" xmlns:r="http://schemas.openxmlformats.org/officeDocument/2006/relationships" xmlns:p="http://schemas.openxmlformats.org/presentationml/2006/main">
   <p:cSld>
     <p:spTree>
@@ -5267,7 +5483,7 @@
 </p:sld>
 </file>
 
-<file path=ppt/slides/slide4.xml><?xml version="1.0" encoding="utf-8"?>
+<file path=ppt/slides/slide5.xml><?xml version="1.0" encoding="utf-8"?>
 <p:sld xmlns:a="http://schemas.openxmlformats.org/drawingml/2006/main" xmlns:r="http://schemas.openxmlformats.org/officeDocument/2006/relationships" xmlns:p="http://schemas.openxmlformats.org/presentationml/2006/main">
   <p:cSld>
     <p:spTree>
